--- a/Remove Duplicates Benchmark Analysis.pptx
+++ b/Remove Duplicates Benchmark Analysis.pptx
@@ -9872,7 +9872,7 @@
             </a:pPr>
             <a:r>
               <a:rPr lang="en" sz="1800"/>
-              <a:t>The benchmarks were run for different inputs on three different machines. Utilizing the PBBS benchmark repository, we ran the algorithm observing its performance. The algorithm was also run using both a deterministic hash(gives same hash values for entries) and a serial hash(can give different hash values for same entries).</a:t>
+              <a:t>The benchmarks were run for different inputs on three different machines. Utilizing the PBBS benchmark repository, we ran the algorithm observing its performance. The algorithm was also run using both a deterministic hash(gives same hash values for entries) and a serial hash(can give different hash values for same entries). Using the hash values which are calculated by auxiliary data, the elements with multiple of the same hash values are considered.</a:t>
             </a:r>
             <a:endParaRPr sz="1800"/>
           </a:p>
@@ -10816,7 +10816,7 @@
             </a:pPr>
             <a:r>
               <a:rPr lang="en" sz="1800"/>
-              <a:t>The values did not vary greatly between the different hashing methods, but did vary between the different operating systems, confirming our hypothesis that architecture is more important than implementation. However for future works different parallel frameworks (cilk++, mpi, CUDA) could be used to more efficiently measure the distinctions implementations could have on the runtime of such benchmarks.</a:t>
+              <a:t>The values did not vary greatly between the different hashing methods, but did vary between the different operating systems, confirming our hypothesis that architecture is more important than implementation. However for future works different parallel frameworks (cilk++, mpi, CUDA) could be used to more efficiently measure the distinctions different  implementations could have on the runtime of such benchmarks.</a:t>
             </a:r>
             <a:endParaRPr sz="1800"/>
           </a:p>
@@ -10831,6 +10831,285 @@
 </file>
 
 <file path=ppt/theme/theme1.xml><?xml version="1.0" encoding="utf-8"?>
+<a:theme xmlns:a="http://schemas.openxmlformats.org/drawingml/2006/main" xmlns:r="http://schemas.openxmlformats.org/officeDocument/2006/relationships" name="Focus">
+  <a:themeElements>
+    <a:clrScheme name="Focus">
+      <a:dk1>
+        <a:srgbClr val="1B212C"/>
+      </a:dk1>
+      <a:lt1>
+        <a:srgbClr val="FFFFFF"/>
+      </a:lt1>
+      <a:dk2>
+        <a:srgbClr val="D9D9D9"/>
+      </a:dk2>
+      <a:lt2>
+        <a:srgbClr val="82C7A5"/>
+      </a:lt2>
+      <a:accent1>
+        <a:srgbClr val="0145AC"/>
+      </a:accent1>
+      <a:accent2>
+        <a:srgbClr val="EECE1A"/>
+      </a:accent2>
+      <a:accent3>
+        <a:srgbClr val="4E5567"/>
+      </a:accent3>
+      <a:accent4>
+        <a:srgbClr val="F4D6AD"/>
+      </a:accent4>
+      <a:accent5>
+        <a:srgbClr val="7890CD"/>
+      </a:accent5>
+      <a:accent6>
+        <a:srgbClr val="F15E22"/>
+      </a:accent6>
+      <a:hlink>
+        <a:srgbClr val="7890CD"/>
+      </a:hlink>
+      <a:folHlink>
+        <a:srgbClr val="7890CD"/>
+      </a:folHlink>
+    </a:clrScheme>
+    <a:fontScheme name="Office">
+      <a:majorFont>
+        <a:latin typeface="Arial"/>
+        <a:ea typeface=""/>
+        <a:cs typeface=""/>
+        <a:font script="Jpan" typeface="ＭＳ Ｐゴシック"/>
+        <a:font script="Hang" typeface="맑은 고딕"/>
+        <a:font script="Hans" typeface="宋体"/>
+        <a:font script="Hant" typeface="新細明體"/>
+        <a:font script="Arab" typeface="Times New Roman"/>
+        <a:font script="Hebr" typeface="Times New Roman"/>
+        <a:font script="Thai" typeface="Angsana New"/>
+        <a:font script="Ethi" typeface="Nyala"/>
+        <a:font script="Beng" typeface="Vrinda"/>
+        <a:font script="Gujr" typeface="Shruti"/>
+        <a:font script="Khmr" typeface="MoolBoran"/>
+        <a:font script="Knda" typeface="Tunga"/>
+        <a:font script="Guru" typeface="Raavi"/>
+        <a:font script="Cans" typeface="Euphemia"/>
+        <a:font script="Cher" typeface="Plantagenet Cherokee"/>
+        <a:font script="Yiii" typeface="Microsoft Yi Baiti"/>
+        <a:font script="Tibt" typeface="Microsoft Himalaya"/>
+        <a:font script="Thaa" typeface="MV Boli"/>
+        <a:font script="Deva" typeface="Mangal"/>
+        <a:font script="Telu" typeface="Gautami"/>
+        <a:font script="Taml" typeface="Latha"/>
+        <a:font script="Syrc" typeface="Estrangelo Edessa"/>
+        <a:font script="Orya" typeface="Kalinga"/>
+        <a:font script="Mlym" typeface="Kartika"/>
+        <a:font script="Laoo" typeface="DokChampa"/>
+        <a:font script="Sinh" typeface="Iskoola Pota"/>
+        <a:font script="Mong" typeface="Mongolian Baiti"/>
+        <a:font script="Viet" typeface="Times New Roman"/>
+        <a:font script="Uigh" typeface="Microsoft Uighur"/>
+        <a:font script="Geor" typeface="Sylfaen"/>
+      </a:majorFont>
+      <a:minorFont>
+        <a:latin typeface="Arial"/>
+        <a:ea typeface=""/>
+        <a:cs typeface=""/>
+        <a:font script="Jpan" typeface="ＭＳ Ｐゴシック"/>
+        <a:font script="Hang" typeface="맑은 고딕"/>
+        <a:font script="Hans" typeface="宋体"/>
+        <a:font script="Hant" typeface="新細明體"/>
+        <a:font script="Arab" typeface="Arial"/>
+        <a:font script="Hebr" typeface="Arial"/>
+        <a:font script="Thai" typeface="Cordia New"/>
+        <a:font script="Ethi" typeface="Nyala"/>
+        <a:font script="Beng" typeface="Vrinda"/>
+        <a:font script="Gujr" typeface="Shruti"/>
+        <a:font script="Khmr" typeface="DaunPenh"/>
+        <a:font script="Knda" typeface="Tunga"/>
+        <a:font script="Guru" typeface="Raavi"/>
+        <a:font script="Cans" typeface="Euphemia"/>
+        <a:font script="Cher" typeface="Plantagenet Cherokee"/>
+        <a:font script="Yiii" typeface="Microsoft Yi Baiti"/>
+        <a:font script="Tibt" typeface="Microsoft Himalaya"/>
+        <a:font script="Thaa" typeface="MV Boli"/>
+        <a:font script="Deva" typeface="Mangal"/>
+        <a:font script="Telu" typeface="Gautami"/>
+        <a:font script="Taml" typeface="Latha"/>
+        <a:font script="Syrc" typeface="Estrangelo Edessa"/>
+        <a:font script="Orya" typeface="Kalinga"/>
+        <a:font script="Mlym" typeface="Kartika"/>
+        <a:font script="Laoo" typeface="DokChampa"/>
+        <a:font script="Sinh" typeface="Iskoola Pota"/>
+        <a:font script="Mong" typeface="Mongolian Baiti"/>
+        <a:font script="Viet" typeface="Arial"/>
+        <a:font script="Uigh" typeface="Microsoft Uighur"/>
+        <a:font script="Geor" typeface="Sylfaen"/>
+      </a:minorFont>
+    </a:fontScheme>
+    <a:fmtScheme name="Office">
+      <a:fillStyleLst>
+        <a:solidFill>
+          <a:schemeClr val="phClr"/>
+        </a:solidFill>
+        <a:gradFill rotWithShape="1">
+          <a:gsLst>
+            <a:gs pos="0">
+              <a:schemeClr val="phClr">
+                <a:tint val="50000"/>
+                <a:satMod val="300000"/>
+              </a:schemeClr>
+            </a:gs>
+            <a:gs pos="35000">
+              <a:schemeClr val="phClr">
+                <a:tint val="37000"/>
+                <a:satMod val="300000"/>
+              </a:schemeClr>
+            </a:gs>
+            <a:gs pos="100000">
+              <a:schemeClr val="phClr">
+                <a:tint val="15000"/>
+                <a:satMod val="350000"/>
+              </a:schemeClr>
+            </a:gs>
+          </a:gsLst>
+          <a:lin ang="16200000" scaled="1"/>
+        </a:gradFill>
+        <a:gradFill rotWithShape="1">
+          <a:gsLst>
+            <a:gs pos="0">
+              <a:schemeClr val="phClr">
+                <a:tint val="100000"/>
+                <a:shade val="100000"/>
+                <a:satMod val="130000"/>
+              </a:schemeClr>
+            </a:gs>
+            <a:gs pos="100000">
+              <a:schemeClr val="phClr">
+                <a:tint val="50000"/>
+                <a:shade val="100000"/>
+                <a:satMod val="350000"/>
+              </a:schemeClr>
+            </a:gs>
+          </a:gsLst>
+          <a:lin ang="16200000" scaled="0"/>
+        </a:gradFill>
+      </a:fillStyleLst>
+      <a:lnStyleLst>
+        <a:ln w="9525" cap="flat" cmpd="sng" algn="ctr">
+          <a:solidFill>
+            <a:schemeClr val="phClr">
+              <a:shade val="95000"/>
+              <a:satMod val="105000"/>
+            </a:schemeClr>
+          </a:solidFill>
+          <a:prstDash val="solid"/>
+        </a:ln>
+        <a:ln w="25400" cap="flat" cmpd="sng" algn="ctr">
+          <a:solidFill>
+            <a:schemeClr val="phClr"/>
+          </a:solidFill>
+          <a:prstDash val="solid"/>
+        </a:ln>
+        <a:ln w="38100" cap="flat" cmpd="sng" algn="ctr">
+          <a:solidFill>
+            <a:schemeClr val="phClr"/>
+          </a:solidFill>
+          <a:prstDash val="solid"/>
+        </a:ln>
+      </a:lnStyleLst>
+      <a:effectStyleLst>
+        <a:effectStyle>
+          <a:effectLst>
+            <a:outerShdw blurRad="40000" dist="20000" dir="5400000" rotWithShape="0">
+              <a:srgbClr val="000000">
+                <a:alpha val="38000"/>
+              </a:srgbClr>
+            </a:outerShdw>
+          </a:effectLst>
+        </a:effectStyle>
+        <a:effectStyle>
+          <a:effectLst>
+            <a:outerShdw blurRad="40000" dist="23000" dir="5400000" rotWithShape="0">
+              <a:srgbClr val="000000">
+                <a:alpha val="35000"/>
+              </a:srgbClr>
+            </a:outerShdw>
+          </a:effectLst>
+        </a:effectStyle>
+        <a:effectStyle>
+          <a:effectLst>
+            <a:outerShdw blurRad="40000" dist="23000" dir="5400000" rotWithShape="0">
+              <a:srgbClr val="000000">
+                <a:alpha val="35000"/>
+              </a:srgbClr>
+            </a:outerShdw>
+          </a:effectLst>
+          <a:scene3d>
+            <a:camera prst="orthographicFront">
+              <a:rot lat="0" lon="0" rev="0"/>
+            </a:camera>
+            <a:lightRig rig="threePt" dir="t">
+              <a:rot lat="0" lon="0" rev="1200000"/>
+            </a:lightRig>
+          </a:scene3d>
+          <a:sp3d>
+            <a:bevelT w="63500" h="25400"/>
+          </a:sp3d>
+        </a:effectStyle>
+      </a:effectStyleLst>
+      <a:bgFillStyleLst>
+        <a:solidFill>
+          <a:schemeClr val="phClr"/>
+        </a:solidFill>
+        <a:gradFill rotWithShape="1">
+          <a:gsLst>
+            <a:gs pos="0">
+              <a:schemeClr val="phClr">
+                <a:tint val="40000"/>
+                <a:satMod val="350000"/>
+              </a:schemeClr>
+            </a:gs>
+            <a:gs pos="40000">
+              <a:schemeClr val="phClr">
+                <a:tint val="45000"/>
+                <a:shade val="99000"/>
+                <a:satMod val="350000"/>
+              </a:schemeClr>
+            </a:gs>
+            <a:gs pos="100000">
+              <a:schemeClr val="phClr">
+                <a:shade val="20000"/>
+                <a:satMod val="255000"/>
+              </a:schemeClr>
+            </a:gs>
+          </a:gsLst>
+          <a:path path="circle">
+            <a:fillToRect l="50000" t="-80000" r="50000" b="180000"/>
+          </a:path>
+        </a:gradFill>
+        <a:gradFill rotWithShape="1">
+          <a:gsLst>
+            <a:gs pos="0">
+              <a:schemeClr val="phClr">
+                <a:tint val="80000"/>
+                <a:satMod val="300000"/>
+              </a:schemeClr>
+            </a:gs>
+            <a:gs pos="100000">
+              <a:schemeClr val="phClr">
+                <a:shade val="30000"/>
+                <a:satMod val="200000"/>
+              </a:schemeClr>
+            </a:gs>
+          </a:gsLst>
+          <a:path path="circle">
+            <a:fillToRect l="50000" t="50000" r="50000" b="50000"/>
+          </a:path>
+        </a:gradFill>
+      </a:bgFillStyleLst>
+    </a:fmtScheme>
+  </a:themeElements>
+</a:theme>
+</file>
+
+<file path=ppt/theme/theme2.xml><?xml version="1.0" encoding="utf-8"?>
 <a:theme xmlns:a="http://schemas.openxmlformats.org/drawingml/2006/main" xmlns:r="http://schemas.openxmlformats.org/officeDocument/2006/relationships" name="Custom Theme">
   <a:themeElements>
     <a:clrScheme name="Default">
@@ -11107,283 +11386,4 @@
     </a:fmtScheme>
   </a:themeElements>
 </a:theme>
-</file>
-
-<file path=ppt/theme/theme2.xml><?xml version="1.0" encoding="utf-8"?>
-<a:theme xmlns:a="http://schemas.openxmlformats.org/drawingml/2006/main" xmlns:r="http://schemas.openxmlformats.org/officeDocument/2006/relationships" name="Focus">
-  <a:themeElements>
-    <a:clrScheme name="Focus">
-      <a:dk1>
-        <a:srgbClr val="1B212C"/>
-      </a:dk1>
-      <a:lt1>
-        <a:srgbClr val="FFFFFF"/>
-      </a:lt1>
-      <a:dk2>
-        <a:srgbClr val="D9D9D9"/>
-      </a:dk2>
-      <a:lt2>
-        <a:srgbClr val="82C7A5"/>
-      </a:lt2>
-      <a:accent1>
-        <a:srgbClr val="0145AC"/>
-      </a:accent1>
-      <a:accent2>
-        <a:srgbClr val="EECE1A"/>
-      </a:accent2>
-      <a:accent3>
-        <a:srgbClr val="4E5567"/>
-      </a:accent3>
-      <a:accent4>
-        <a:srgbClr val="F4D6AD"/>
-      </a:accent4>
-      <a:accent5>
-        <a:srgbClr val="7890CD"/>
-      </a:accent5>
-      <a:accent6>
-        <a:srgbClr val="F15E22"/>
-      </a:accent6>
-      <a:hlink>
-        <a:srgbClr val="7890CD"/>
-      </a:hlink>
-      <a:folHlink>
-        <a:srgbClr val="7890CD"/>
-      </a:folHlink>
-    </a:clrScheme>
-    <a:fontScheme name="Office">
-      <a:majorFont>
-        <a:latin typeface="Arial"/>
-        <a:ea typeface=""/>
-        <a:cs typeface=""/>
-        <a:font script="Jpan" typeface="ＭＳ Ｐゴシック"/>
-        <a:font script="Hang" typeface="맑은 고딕"/>
-        <a:font script="Hans" typeface="宋体"/>
-        <a:font script="Hant" typeface="新細明體"/>
-        <a:font script="Arab" typeface="Times New Roman"/>
-        <a:font script="Hebr" typeface="Times New Roman"/>
-        <a:font script="Thai" typeface="Angsana New"/>
-        <a:font script="Ethi" typeface="Nyala"/>
-        <a:font script="Beng" typeface="Vrinda"/>
-        <a:font script="Gujr" typeface="Shruti"/>
-        <a:font script="Khmr" typeface="MoolBoran"/>
-        <a:font script="Knda" typeface="Tunga"/>
-        <a:font script="Guru" typeface="Raavi"/>
-        <a:font script="Cans" typeface="Euphemia"/>
-        <a:font script="Cher" typeface="Plantagenet Cherokee"/>
-        <a:font script="Yiii" typeface="Microsoft Yi Baiti"/>
-        <a:font script="Tibt" typeface="Microsoft Himalaya"/>
-        <a:font script="Thaa" typeface="MV Boli"/>
-        <a:font script="Deva" typeface="Mangal"/>
-        <a:font script="Telu" typeface="Gautami"/>
-        <a:font script="Taml" typeface="Latha"/>
-        <a:font script="Syrc" typeface="Estrangelo Edessa"/>
-        <a:font script="Orya" typeface="Kalinga"/>
-        <a:font script="Mlym" typeface="Kartika"/>
-        <a:font script="Laoo" typeface="DokChampa"/>
-        <a:font script="Sinh" typeface="Iskoola Pota"/>
-        <a:font script="Mong" typeface="Mongolian Baiti"/>
-        <a:font script="Viet" typeface="Times New Roman"/>
-        <a:font script="Uigh" typeface="Microsoft Uighur"/>
-        <a:font script="Geor" typeface="Sylfaen"/>
-      </a:majorFont>
-      <a:minorFont>
-        <a:latin typeface="Arial"/>
-        <a:ea typeface=""/>
-        <a:cs typeface=""/>
-        <a:font script="Jpan" typeface="ＭＳ Ｐゴシック"/>
-        <a:font script="Hang" typeface="맑은 고딕"/>
-        <a:font script="Hans" typeface="宋体"/>
-        <a:font script="Hant" typeface="新細明體"/>
-        <a:font script="Arab" typeface="Arial"/>
-        <a:font script="Hebr" typeface="Arial"/>
-        <a:font script="Thai" typeface="Cordia New"/>
-        <a:font script="Ethi" typeface="Nyala"/>
-        <a:font script="Beng" typeface="Vrinda"/>
-        <a:font script="Gujr" typeface="Shruti"/>
-        <a:font script="Khmr" typeface="DaunPenh"/>
-        <a:font script="Knda" typeface="Tunga"/>
-        <a:font script="Guru" typeface="Raavi"/>
-        <a:font script="Cans" typeface="Euphemia"/>
-        <a:font script="Cher" typeface="Plantagenet Cherokee"/>
-        <a:font script="Yiii" typeface="Microsoft Yi Baiti"/>
-        <a:font script="Tibt" typeface="Microsoft Himalaya"/>
-        <a:font script="Thaa" typeface="MV Boli"/>
-        <a:font script="Deva" typeface="Mangal"/>
-        <a:font script="Telu" typeface="Gautami"/>
-        <a:font script="Taml" typeface="Latha"/>
-        <a:font script="Syrc" typeface="Estrangelo Edessa"/>
-        <a:font script="Orya" typeface="Kalinga"/>
-        <a:font script="Mlym" typeface="Kartika"/>
-        <a:font script="Laoo" typeface="DokChampa"/>
-        <a:font script="Sinh" typeface="Iskoola Pota"/>
-        <a:font script="Mong" typeface="Mongolian Baiti"/>
-        <a:font script="Viet" typeface="Arial"/>
-        <a:font script="Uigh" typeface="Microsoft Uighur"/>
-        <a:font script="Geor" typeface="Sylfaen"/>
-      </a:minorFont>
-    </a:fontScheme>
-    <a:fmtScheme name="Office">
-      <a:fillStyleLst>
-        <a:solidFill>
-          <a:schemeClr val="phClr"/>
-        </a:solidFill>
-        <a:gradFill rotWithShape="1">
-          <a:gsLst>
-            <a:gs pos="0">
-              <a:schemeClr val="phClr">
-                <a:tint val="50000"/>
-                <a:satMod val="300000"/>
-              </a:schemeClr>
-            </a:gs>
-            <a:gs pos="35000">
-              <a:schemeClr val="phClr">
-                <a:tint val="37000"/>
-                <a:satMod val="300000"/>
-              </a:schemeClr>
-            </a:gs>
-            <a:gs pos="100000">
-              <a:schemeClr val="phClr">
-                <a:tint val="15000"/>
-                <a:satMod val="350000"/>
-              </a:schemeClr>
-            </a:gs>
-          </a:gsLst>
-          <a:lin ang="16200000" scaled="1"/>
-        </a:gradFill>
-        <a:gradFill rotWithShape="1">
-          <a:gsLst>
-            <a:gs pos="0">
-              <a:schemeClr val="phClr">
-                <a:tint val="100000"/>
-                <a:shade val="100000"/>
-                <a:satMod val="130000"/>
-              </a:schemeClr>
-            </a:gs>
-            <a:gs pos="100000">
-              <a:schemeClr val="phClr">
-                <a:tint val="50000"/>
-                <a:shade val="100000"/>
-                <a:satMod val="350000"/>
-              </a:schemeClr>
-            </a:gs>
-          </a:gsLst>
-          <a:lin ang="16200000" scaled="0"/>
-        </a:gradFill>
-      </a:fillStyleLst>
-      <a:lnStyleLst>
-        <a:ln w="9525" cap="flat" cmpd="sng" algn="ctr">
-          <a:solidFill>
-            <a:schemeClr val="phClr">
-              <a:shade val="95000"/>
-              <a:satMod val="105000"/>
-            </a:schemeClr>
-          </a:solidFill>
-          <a:prstDash val="solid"/>
-        </a:ln>
-        <a:ln w="25400" cap="flat" cmpd="sng" algn="ctr">
-          <a:solidFill>
-            <a:schemeClr val="phClr"/>
-          </a:solidFill>
-          <a:prstDash val="solid"/>
-        </a:ln>
-        <a:ln w="38100" cap="flat" cmpd="sng" algn="ctr">
-          <a:solidFill>
-            <a:schemeClr val="phClr"/>
-          </a:solidFill>
-          <a:prstDash val="solid"/>
-        </a:ln>
-      </a:lnStyleLst>
-      <a:effectStyleLst>
-        <a:effectStyle>
-          <a:effectLst>
-            <a:outerShdw blurRad="40000" dist="20000" dir="5400000" rotWithShape="0">
-              <a:srgbClr val="000000">
-                <a:alpha val="38000"/>
-              </a:srgbClr>
-            </a:outerShdw>
-          </a:effectLst>
-        </a:effectStyle>
-        <a:effectStyle>
-          <a:effectLst>
-            <a:outerShdw blurRad="40000" dist="23000" dir="5400000" rotWithShape="0">
-              <a:srgbClr val="000000">
-                <a:alpha val="35000"/>
-              </a:srgbClr>
-            </a:outerShdw>
-          </a:effectLst>
-        </a:effectStyle>
-        <a:effectStyle>
-          <a:effectLst>
-            <a:outerShdw blurRad="40000" dist="23000" dir="5400000" rotWithShape="0">
-              <a:srgbClr val="000000">
-                <a:alpha val="35000"/>
-              </a:srgbClr>
-            </a:outerShdw>
-          </a:effectLst>
-          <a:scene3d>
-            <a:camera prst="orthographicFront">
-              <a:rot lat="0" lon="0" rev="0"/>
-            </a:camera>
-            <a:lightRig rig="threePt" dir="t">
-              <a:rot lat="0" lon="0" rev="1200000"/>
-            </a:lightRig>
-          </a:scene3d>
-          <a:sp3d>
-            <a:bevelT w="63500" h="25400"/>
-          </a:sp3d>
-        </a:effectStyle>
-      </a:effectStyleLst>
-      <a:bgFillStyleLst>
-        <a:solidFill>
-          <a:schemeClr val="phClr"/>
-        </a:solidFill>
-        <a:gradFill rotWithShape="1">
-          <a:gsLst>
-            <a:gs pos="0">
-              <a:schemeClr val="phClr">
-                <a:tint val="40000"/>
-                <a:satMod val="350000"/>
-              </a:schemeClr>
-            </a:gs>
-            <a:gs pos="40000">
-              <a:schemeClr val="phClr">
-                <a:tint val="45000"/>
-                <a:shade val="99000"/>
-                <a:satMod val="350000"/>
-              </a:schemeClr>
-            </a:gs>
-            <a:gs pos="100000">
-              <a:schemeClr val="phClr">
-                <a:shade val="20000"/>
-                <a:satMod val="255000"/>
-              </a:schemeClr>
-            </a:gs>
-          </a:gsLst>
-          <a:path path="circle">
-            <a:fillToRect l="50000" t="-80000" r="50000" b="180000"/>
-          </a:path>
-        </a:gradFill>
-        <a:gradFill rotWithShape="1">
-          <a:gsLst>
-            <a:gs pos="0">
-              <a:schemeClr val="phClr">
-                <a:tint val="80000"/>
-                <a:satMod val="300000"/>
-              </a:schemeClr>
-            </a:gs>
-            <a:gs pos="100000">
-              <a:schemeClr val="phClr">
-                <a:shade val="30000"/>
-                <a:satMod val="200000"/>
-              </a:schemeClr>
-            </a:gs>
-          </a:gsLst>
-          <a:path path="circle">
-            <a:fillToRect l="50000" t="50000" r="50000" b="50000"/>
-          </a:path>
-        </a:gradFill>
-      </a:bgFillStyleLst>
-    </a:fmtScheme>
-  </a:themeElements>
-</a:theme>
 </file>
--- a/Remove Duplicates Benchmark Analysis.pptx
+++ b/Remove Duplicates Benchmark Analysis.pptx
@@ -16363,20 +16363,24 @@
               <a:buNone/>
             </a:pPr>
             <a:r>
-              <a:rPr lang="en" sz="1800"/>
+              <a:rPr lang="en" sz="1800">
+                <a:solidFill>
+                  <a:srgbClr val="000000"/>
+                </a:solidFill>
+              </a:rPr>
               <a:t>Machine Specification</a:t>
             </a:r>
             <a:r>
               <a:rPr lang="en" sz="1400">
                 <a:solidFill>
-                  <a:srgbClr val="FFFFFF"/>
+                  <a:srgbClr val="000000"/>
                 </a:solidFill>
               </a:rPr>
               <a:t>			</a:t>
             </a:r>
             <a:endParaRPr sz="1400">
               <a:solidFill>
-                <a:srgbClr val="FFFFFF"/>
+                <a:srgbClr val="000000"/>
               </a:solidFill>
             </a:endParaRPr>
           </a:p>
@@ -16389,7 +16393,7 @@
                 <a:spcPts val="0"/>
               </a:spcAft>
               <a:buClr>
-                <a:srgbClr val="FFFFFF"/>
+                <a:srgbClr val="000000"/>
               </a:buClr>
               <a:buSzPts val="1400"/>
               <a:buChar char="●"/>
@@ -16397,14 +16401,14 @@
             <a:r>
               <a:rPr lang="en" sz="1400">
                 <a:solidFill>
-                  <a:srgbClr val="FFFFFF"/>
+                  <a:srgbClr val="000000"/>
                 </a:solidFill>
               </a:rPr>
               <a:t>2.2 GHz Intel Core i7 and 16 GB 1600 MHz DDR3 RAM</a:t>
             </a:r>
             <a:endParaRPr sz="1400">
               <a:solidFill>
-                <a:srgbClr val="FFFFFF"/>
+                <a:srgbClr val="000000"/>
               </a:solidFill>
             </a:endParaRPr>
           </a:p>
@@ -16417,7 +16421,7 @@
                 <a:spcPts val="0"/>
               </a:spcAft>
               <a:buClr>
-                <a:srgbClr val="FFFFFF"/>
+                <a:srgbClr val="000000"/>
               </a:buClr>
               <a:buSzPts val="1400"/>
               <a:buChar char="●"/>
@@ -16425,14 +16429,14 @@
             <a:r>
               <a:rPr lang="en" sz="1400">
                 <a:solidFill>
-                  <a:srgbClr val="FFFFFF"/>
+                  <a:srgbClr val="000000"/>
                 </a:solidFill>
               </a:rPr>
               <a:t>2 CPUs, 48 threads, 134956859392 RAM, 3.10GHz Intel Xeon, 3 caches: 32KB, 256KB, 30MB	</a:t>
             </a:r>
             <a:endParaRPr sz="1400">
               <a:solidFill>
-                <a:srgbClr val="FFFFFF"/>
+                <a:srgbClr val="000000"/>
               </a:solidFill>
             </a:endParaRPr>
           </a:p>
@@ -16445,7 +16449,7 @@
                 <a:spcPts val="0"/>
               </a:spcAft>
               <a:buClr>
-                <a:srgbClr val="FFFFFF"/>
+                <a:srgbClr val="000000"/>
               </a:buClr>
               <a:buSzPts val="1400"/>
               <a:buChar char="●"/>
@@ -16453,14 +16457,14 @@
             <a:r>
               <a:rPr lang="en" sz="1400">
                 <a:solidFill>
-                  <a:srgbClr val="FFFFFF"/>
+                  <a:srgbClr val="000000"/>
                 </a:solidFill>
               </a:rPr>
               <a:t>291 Nodes			</a:t>
             </a:r>
             <a:endParaRPr sz="1400">
               <a:solidFill>
-                <a:srgbClr val="FFFFFF"/>
+                <a:srgbClr val="000000"/>
               </a:solidFill>
             </a:endParaRPr>
           </a:p>
@@ -16896,6 +16900,285 @@
 </file>
 
 <file path=ppt/theme/theme1.xml><?xml version="1.0" encoding="utf-8"?>
+<a:theme xmlns:a="http://schemas.openxmlformats.org/drawingml/2006/main" xmlns:r="http://schemas.openxmlformats.org/officeDocument/2006/relationships" name="Custom Theme">
+  <a:themeElements>
+    <a:clrScheme name="Default">
+      <a:dk1>
+        <a:srgbClr val="000000"/>
+      </a:dk1>
+      <a:lt1>
+        <a:srgbClr val="FFFFFF"/>
+      </a:lt1>
+      <a:dk2>
+        <a:srgbClr val="158158"/>
+      </a:dk2>
+      <a:lt2>
+        <a:srgbClr val="F3F3F3"/>
+      </a:lt2>
+      <a:accent1>
+        <a:srgbClr val="058DC7"/>
+      </a:accent1>
+      <a:accent2>
+        <a:srgbClr val="50B432"/>
+      </a:accent2>
+      <a:accent3>
+        <a:srgbClr val="ED561B"/>
+      </a:accent3>
+      <a:accent4>
+        <a:srgbClr val="EDEF00"/>
+      </a:accent4>
+      <a:accent5>
+        <a:srgbClr val="24CBE5"/>
+      </a:accent5>
+      <a:accent6>
+        <a:srgbClr val="64E572"/>
+      </a:accent6>
+      <a:hlink>
+        <a:srgbClr val="2200CC"/>
+      </a:hlink>
+      <a:folHlink>
+        <a:srgbClr val="551A8B"/>
+      </a:folHlink>
+    </a:clrScheme>
+    <a:fontScheme name="Office">
+      <a:majorFont>
+        <a:latin typeface="Arial"/>
+        <a:ea typeface=""/>
+        <a:cs typeface=""/>
+        <a:font script="Jpan" typeface="ＭＳ Ｐゴシック"/>
+        <a:font script="Hang" typeface="맑은 고딕"/>
+        <a:font script="Hans" typeface="宋体"/>
+        <a:font script="Hant" typeface="新細明體"/>
+        <a:font script="Arab" typeface="Times New Roman"/>
+        <a:font script="Hebr" typeface="Times New Roman"/>
+        <a:font script="Thai" typeface="Angsana New"/>
+        <a:font script="Ethi" typeface="Nyala"/>
+        <a:font script="Beng" typeface="Vrinda"/>
+        <a:font script="Gujr" typeface="Shruti"/>
+        <a:font script="Khmr" typeface="MoolBoran"/>
+        <a:font script="Knda" typeface="Tunga"/>
+        <a:font script="Guru" typeface="Raavi"/>
+        <a:font script="Cans" typeface="Euphemia"/>
+        <a:font script="Cher" typeface="Plantagenet Cherokee"/>
+        <a:font script="Yiii" typeface="Microsoft Yi Baiti"/>
+        <a:font script="Tibt" typeface="Microsoft Himalaya"/>
+        <a:font script="Thaa" typeface="MV Boli"/>
+        <a:font script="Deva" typeface="Mangal"/>
+        <a:font script="Telu" typeface="Gautami"/>
+        <a:font script="Taml" typeface="Latha"/>
+        <a:font script="Syrc" typeface="Estrangelo Edessa"/>
+        <a:font script="Orya" typeface="Kalinga"/>
+        <a:font script="Mlym" typeface="Kartika"/>
+        <a:font script="Laoo" typeface="DokChampa"/>
+        <a:font script="Sinh" typeface="Iskoola Pota"/>
+        <a:font script="Mong" typeface="Mongolian Baiti"/>
+        <a:font script="Viet" typeface="Times New Roman"/>
+        <a:font script="Uigh" typeface="Microsoft Uighur"/>
+        <a:font script="Geor" typeface="Sylfaen"/>
+      </a:majorFont>
+      <a:minorFont>
+        <a:latin typeface="Arial"/>
+        <a:ea typeface=""/>
+        <a:cs typeface=""/>
+        <a:font script="Jpan" typeface="ＭＳ Ｐゴシック"/>
+        <a:font script="Hang" typeface="맑은 고딕"/>
+        <a:font script="Hans" typeface="宋体"/>
+        <a:font script="Hant" typeface="新細明體"/>
+        <a:font script="Arab" typeface="Arial"/>
+        <a:font script="Hebr" typeface="Arial"/>
+        <a:font script="Thai" typeface="Cordia New"/>
+        <a:font script="Ethi" typeface="Nyala"/>
+        <a:font script="Beng" typeface="Vrinda"/>
+        <a:font script="Gujr" typeface="Shruti"/>
+        <a:font script="Khmr" typeface="DaunPenh"/>
+        <a:font script="Knda" typeface="Tunga"/>
+        <a:font script="Guru" typeface="Raavi"/>
+        <a:font script="Cans" typeface="Euphemia"/>
+        <a:font script="Cher" typeface="Plantagenet Cherokee"/>
+        <a:font script="Yiii" typeface="Microsoft Yi Baiti"/>
+        <a:font script="Tibt" typeface="Microsoft Himalaya"/>
+        <a:font script="Thaa" typeface="MV Boli"/>
+        <a:font script="Deva" typeface="Mangal"/>
+        <a:font script="Telu" typeface="Gautami"/>
+        <a:font script="Taml" typeface="Latha"/>
+        <a:font script="Syrc" typeface="Estrangelo Edessa"/>
+        <a:font script="Orya" typeface="Kalinga"/>
+        <a:font script="Mlym" typeface="Kartika"/>
+        <a:font script="Laoo" typeface="DokChampa"/>
+        <a:font script="Sinh" typeface="Iskoola Pota"/>
+        <a:font script="Mong" typeface="Mongolian Baiti"/>
+        <a:font script="Viet" typeface="Arial"/>
+        <a:font script="Uigh" typeface="Microsoft Uighur"/>
+        <a:font script="Geor" typeface="Sylfaen"/>
+      </a:minorFont>
+    </a:fontScheme>
+    <a:fmtScheme name="Office">
+      <a:fillStyleLst>
+        <a:solidFill>
+          <a:schemeClr val="phClr"/>
+        </a:solidFill>
+        <a:gradFill rotWithShape="1">
+          <a:gsLst>
+            <a:gs pos="0">
+              <a:schemeClr val="phClr">
+                <a:tint val="50000"/>
+                <a:satMod val="300000"/>
+              </a:schemeClr>
+            </a:gs>
+            <a:gs pos="35000">
+              <a:schemeClr val="phClr">
+                <a:tint val="37000"/>
+                <a:satMod val="300000"/>
+              </a:schemeClr>
+            </a:gs>
+            <a:gs pos="100000">
+              <a:schemeClr val="phClr">
+                <a:tint val="15000"/>
+                <a:satMod val="350000"/>
+              </a:schemeClr>
+            </a:gs>
+          </a:gsLst>
+          <a:lin ang="16200000" scaled="1"/>
+        </a:gradFill>
+        <a:gradFill rotWithShape="1">
+          <a:gsLst>
+            <a:gs pos="0">
+              <a:schemeClr val="phClr">
+                <a:tint val="100000"/>
+                <a:shade val="100000"/>
+                <a:satMod val="130000"/>
+              </a:schemeClr>
+            </a:gs>
+            <a:gs pos="100000">
+              <a:schemeClr val="phClr">
+                <a:tint val="50000"/>
+                <a:shade val="100000"/>
+                <a:satMod val="350000"/>
+              </a:schemeClr>
+            </a:gs>
+          </a:gsLst>
+          <a:lin ang="16200000" scaled="0"/>
+        </a:gradFill>
+      </a:fillStyleLst>
+      <a:lnStyleLst>
+        <a:ln w="9525" cap="flat" cmpd="sng" algn="ctr">
+          <a:solidFill>
+            <a:schemeClr val="phClr">
+              <a:shade val="95000"/>
+              <a:satMod val="105000"/>
+            </a:schemeClr>
+          </a:solidFill>
+          <a:prstDash val="solid"/>
+        </a:ln>
+        <a:ln w="25400" cap="flat" cmpd="sng" algn="ctr">
+          <a:solidFill>
+            <a:schemeClr val="phClr"/>
+          </a:solidFill>
+          <a:prstDash val="solid"/>
+        </a:ln>
+        <a:ln w="38100" cap="flat" cmpd="sng" algn="ctr">
+          <a:solidFill>
+            <a:schemeClr val="phClr"/>
+          </a:solidFill>
+          <a:prstDash val="solid"/>
+        </a:ln>
+      </a:lnStyleLst>
+      <a:effectStyleLst>
+        <a:effectStyle>
+          <a:effectLst>
+            <a:outerShdw blurRad="40000" dist="20000" dir="5400000" rotWithShape="0">
+              <a:srgbClr val="000000">
+                <a:alpha val="38000"/>
+              </a:srgbClr>
+            </a:outerShdw>
+          </a:effectLst>
+        </a:effectStyle>
+        <a:effectStyle>
+          <a:effectLst>
+            <a:outerShdw blurRad="40000" dist="23000" dir="5400000" rotWithShape="0">
+              <a:srgbClr val="000000">
+                <a:alpha val="35000"/>
+              </a:srgbClr>
+            </a:outerShdw>
+          </a:effectLst>
+        </a:effectStyle>
+        <a:effectStyle>
+          <a:effectLst>
+            <a:outerShdw blurRad="40000" dist="23000" dir="5400000" rotWithShape="0">
+              <a:srgbClr val="000000">
+                <a:alpha val="35000"/>
+              </a:srgbClr>
+            </a:outerShdw>
+          </a:effectLst>
+          <a:scene3d>
+            <a:camera prst="orthographicFront">
+              <a:rot lat="0" lon="0" rev="0"/>
+            </a:camera>
+            <a:lightRig rig="threePt" dir="t">
+              <a:rot lat="0" lon="0" rev="1200000"/>
+            </a:lightRig>
+          </a:scene3d>
+          <a:sp3d>
+            <a:bevelT w="63500" h="25400"/>
+          </a:sp3d>
+        </a:effectStyle>
+      </a:effectStyleLst>
+      <a:bgFillStyleLst>
+        <a:solidFill>
+          <a:schemeClr val="phClr"/>
+        </a:solidFill>
+        <a:gradFill rotWithShape="1">
+          <a:gsLst>
+            <a:gs pos="0">
+              <a:schemeClr val="phClr">
+                <a:tint val="40000"/>
+                <a:satMod val="350000"/>
+              </a:schemeClr>
+            </a:gs>
+            <a:gs pos="40000">
+              <a:schemeClr val="phClr">
+                <a:tint val="45000"/>
+                <a:shade val="99000"/>
+                <a:satMod val="350000"/>
+              </a:schemeClr>
+            </a:gs>
+            <a:gs pos="100000">
+              <a:schemeClr val="phClr">
+                <a:shade val="20000"/>
+                <a:satMod val="255000"/>
+              </a:schemeClr>
+            </a:gs>
+          </a:gsLst>
+          <a:path path="circle">
+            <a:fillToRect l="50000" t="-80000" r="50000" b="180000"/>
+          </a:path>
+        </a:gradFill>
+        <a:gradFill rotWithShape="1">
+          <a:gsLst>
+            <a:gs pos="0">
+              <a:schemeClr val="phClr">
+                <a:tint val="80000"/>
+                <a:satMod val="300000"/>
+              </a:schemeClr>
+            </a:gs>
+            <a:gs pos="100000">
+              <a:schemeClr val="phClr">
+                <a:shade val="30000"/>
+                <a:satMod val="200000"/>
+              </a:schemeClr>
+            </a:gs>
+          </a:gsLst>
+          <a:path path="circle">
+            <a:fillToRect l="50000" t="50000" r="50000" b="50000"/>
+          </a:path>
+        </a:gradFill>
+      </a:bgFillStyleLst>
+    </a:fmtScheme>
+  </a:themeElements>
+</a:theme>
+</file>
+
+<file path=ppt/theme/theme2.xml><?xml version="1.0" encoding="utf-8"?>
 <a:theme xmlns:a="http://schemas.openxmlformats.org/drawingml/2006/main" xmlns:r="http://schemas.openxmlformats.org/officeDocument/2006/relationships" name="Momentum">
   <a:themeElements>
     <a:clrScheme name="Momentum">
@@ -17172,283 +17455,4 @@
     </a:fmtScheme>
   </a:themeElements>
 </a:theme>
-</file>
-
-<file path=ppt/theme/theme2.xml><?xml version="1.0" encoding="utf-8"?>
-<a:theme xmlns:a="http://schemas.openxmlformats.org/drawingml/2006/main" xmlns:r="http://schemas.openxmlformats.org/officeDocument/2006/relationships" name="Custom Theme">
-  <a:themeElements>
-    <a:clrScheme name="Default">
-      <a:dk1>
-        <a:srgbClr val="000000"/>
-      </a:dk1>
-      <a:lt1>
-        <a:srgbClr val="FFFFFF"/>
-      </a:lt1>
-      <a:dk2>
-        <a:srgbClr val="158158"/>
-      </a:dk2>
-      <a:lt2>
-        <a:srgbClr val="F3F3F3"/>
-      </a:lt2>
-      <a:accent1>
-        <a:srgbClr val="058DC7"/>
-      </a:accent1>
-      <a:accent2>
-        <a:srgbClr val="50B432"/>
-      </a:accent2>
-      <a:accent3>
-        <a:srgbClr val="ED561B"/>
-      </a:accent3>
-      <a:accent4>
-        <a:srgbClr val="EDEF00"/>
-      </a:accent4>
-      <a:accent5>
-        <a:srgbClr val="24CBE5"/>
-      </a:accent5>
-      <a:accent6>
-        <a:srgbClr val="64E572"/>
-      </a:accent6>
-      <a:hlink>
-        <a:srgbClr val="2200CC"/>
-      </a:hlink>
-      <a:folHlink>
-        <a:srgbClr val="551A8B"/>
-      </a:folHlink>
-    </a:clrScheme>
-    <a:fontScheme name="Office">
-      <a:majorFont>
-        <a:latin typeface="Arial"/>
-        <a:ea typeface=""/>
-        <a:cs typeface=""/>
-        <a:font script="Jpan" typeface="ＭＳ Ｐゴシック"/>
-        <a:font script="Hang" typeface="맑은 고딕"/>
-        <a:font script="Hans" typeface="宋体"/>
-        <a:font script="Hant" typeface="新細明體"/>
-        <a:font script="Arab" typeface="Times New Roman"/>
-        <a:font script="Hebr" typeface="Times New Roman"/>
-        <a:font script="Thai" typeface="Angsana New"/>
-        <a:font script="Ethi" typeface="Nyala"/>
-        <a:font script="Beng" typeface="Vrinda"/>
-        <a:font script="Gujr" typeface="Shruti"/>
-        <a:font script="Khmr" typeface="MoolBoran"/>
-        <a:font script="Knda" typeface="Tunga"/>
-        <a:font script="Guru" typeface="Raavi"/>
-        <a:font script="Cans" typeface="Euphemia"/>
-        <a:font script="Cher" typeface="Plantagenet Cherokee"/>
-        <a:font script="Yiii" typeface="Microsoft Yi Baiti"/>
-        <a:font script="Tibt" typeface="Microsoft Himalaya"/>
-        <a:font script="Thaa" typeface="MV Boli"/>
-        <a:font script="Deva" typeface="Mangal"/>
-        <a:font script="Telu" typeface="Gautami"/>
-        <a:font script="Taml" typeface="Latha"/>
-        <a:font script="Syrc" typeface="Estrangelo Edessa"/>
-        <a:font script="Orya" typeface="Kalinga"/>
-        <a:font script="Mlym" typeface="Kartika"/>
-        <a:font script="Laoo" typeface="DokChampa"/>
-        <a:font script="Sinh" typeface="Iskoola Pota"/>
-        <a:font script="Mong" typeface="Mongolian Baiti"/>
-        <a:font script="Viet" typeface="Times New Roman"/>
-        <a:font script="Uigh" typeface="Microsoft Uighur"/>
-        <a:font script="Geor" typeface="Sylfaen"/>
-      </a:majorFont>
-      <a:minorFont>
-        <a:latin typeface="Arial"/>
-        <a:ea typeface=""/>
-        <a:cs typeface=""/>
-        <a:font script="Jpan" typeface="ＭＳ Ｐゴシック"/>
-        <a:font script="Hang" typeface="맑은 고딕"/>
-        <a:font script="Hans" typeface="宋体"/>
-        <a:font script="Hant" typeface="新細明體"/>
-        <a:font script="Arab" typeface="Arial"/>
-        <a:font script="Hebr" typeface="Arial"/>
-        <a:font script="Thai" typeface="Cordia New"/>
-        <a:font script="Ethi" typeface="Nyala"/>
-        <a:font script="Beng" typeface="Vrinda"/>
-        <a:font script="Gujr" typeface="Shruti"/>
-        <a:font script="Khmr" typeface="DaunPenh"/>
-        <a:font script="Knda" typeface="Tunga"/>
-        <a:font script="Guru" typeface="Raavi"/>
-        <a:font script="Cans" typeface="Euphemia"/>
-        <a:font script="Cher" typeface="Plantagenet Cherokee"/>
-        <a:font script="Yiii" typeface="Microsoft Yi Baiti"/>
-        <a:font script="Tibt" typeface="Microsoft Himalaya"/>
-        <a:font script="Thaa" typeface="MV Boli"/>
-        <a:font script="Deva" typeface="Mangal"/>
-        <a:font script="Telu" typeface="Gautami"/>
-        <a:font script="Taml" typeface="Latha"/>
-        <a:font script="Syrc" typeface="Estrangelo Edessa"/>
-        <a:font script="Orya" typeface="Kalinga"/>
-        <a:font script="Mlym" typeface="Kartika"/>
-        <a:font script="Laoo" typeface="DokChampa"/>
-        <a:font script="Sinh" typeface="Iskoola Pota"/>
-        <a:font script="Mong" typeface="Mongolian Baiti"/>
-        <a:font script="Viet" typeface="Arial"/>
-        <a:font script="Uigh" typeface="Microsoft Uighur"/>
-        <a:font script="Geor" typeface="Sylfaen"/>
-      </a:minorFont>
-    </a:fontScheme>
-    <a:fmtScheme name="Office">
-      <a:fillStyleLst>
-        <a:solidFill>
-          <a:schemeClr val="phClr"/>
-        </a:solidFill>
-        <a:gradFill rotWithShape="1">
-          <a:gsLst>
-            <a:gs pos="0">
-              <a:schemeClr val="phClr">
-                <a:tint val="50000"/>
-                <a:satMod val="300000"/>
-              </a:schemeClr>
-            </a:gs>
-            <a:gs pos="35000">
-              <a:schemeClr val="phClr">
-                <a:tint val="37000"/>
-                <a:satMod val="300000"/>
-              </a:schemeClr>
-            </a:gs>
-            <a:gs pos="100000">
-              <a:schemeClr val="phClr">
-                <a:tint val="15000"/>
-                <a:satMod val="350000"/>
-              </a:schemeClr>
-            </a:gs>
-          </a:gsLst>
-          <a:lin ang="16200000" scaled="1"/>
-        </a:gradFill>
-        <a:gradFill rotWithShape="1">
-          <a:gsLst>
-            <a:gs pos="0">
-              <a:schemeClr val="phClr">
-                <a:tint val="100000"/>
-                <a:shade val="100000"/>
-                <a:satMod val="130000"/>
-              </a:schemeClr>
-            </a:gs>
-            <a:gs pos="100000">
-              <a:schemeClr val="phClr">
-                <a:tint val="50000"/>
-                <a:shade val="100000"/>
-                <a:satMod val="350000"/>
-              </a:schemeClr>
-            </a:gs>
-          </a:gsLst>
-          <a:lin ang="16200000" scaled="0"/>
-        </a:gradFill>
-      </a:fillStyleLst>
-      <a:lnStyleLst>
-        <a:ln w="9525" cap="flat" cmpd="sng" algn="ctr">
-          <a:solidFill>
-            <a:schemeClr val="phClr">
-              <a:shade val="95000"/>
-              <a:satMod val="105000"/>
-            </a:schemeClr>
-          </a:solidFill>
-          <a:prstDash val="solid"/>
-        </a:ln>
-        <a:ln w="25400" cap="flat" cmpd="sng" algn="ctr">
-          <a:solidFill>
-            <a:schemeClr val="phClr"/>
-          </a:solidFill>
-          <a:prstDash val="solid"/>
-        </a:ln>
-        <a:ln w="38100" cap="flat" cmpd="sng" algn="ctr">
-          <a:solidFill>
-            <a:schemeClr val="phClr"/>
-          </a:solidFill>
-          <a:prstDash val="solid"/>
-        </a:ln>
-      </a:lnStyleLst>
-      <a:effectStyleLst>
-        <a:effectStyle>
-          <a:effectLst>
-            <a:outerShdw blurRad="40000" dist="20000" dir="5400000" rotWithShape="0">
-              <a:srgbClr val="000000">
-                <a:alpha val="38000"/>
-              </a:srgbClr>
-            </a:outerShdw>
-          </a:effectLst>
-        </a:effectStyle>
-        <a:effectStyle>
-          <a:effectLst>
-            <a:outerShdw blurRad="40000" dist="23000" dir="5400000" rotWithShape="0">
-              <a:srgbClr val="000000">
-                <a:alpha val="35000"/>
-              </a:srgbClr>
-            </a:outerShdw>
-          </a:effectLst>
-        </a:effectStyle>
-        <a:effectStyle>
-          <a:effectLst>
-            <a:outerShdw blurRad="40000" dist="23000" dir="5400000" rotWithShape="0">
-              <a:srgbClr val="000000">
-                <a:alpha val="35000"/>
-              </a:srgbClr>
-            </a:outerShdw>
-          </a:effectLst>
-          <a:scene3d>
-            <a:camera prst="orthographicFront">
-              <a:rot lat="0" lon="0" rev="0"/>
-            </a:camera>
-            <a:lightRig rig="threePt" dir="t">
-              <a:rot lat="0" lon="0" rev="1200000"/>
-            </a:lightRig>
-          </a:scene3d>
-          <a:sp3d>
-            <a:bevelT w="63500" h="25400"/>
-          </a:sp3d>
-        </a:effectStyle>
-      </a:effectStyleLst>
-      <a:bgFillStyleLst>
-        <a:solidFill>
-          <a:schemeClr val="phClr"/>
-        </a:solidFill>
-        <a:gradFill rotWithShape="1">
-          <a:gsLst>
-            <a:gs pos="0">
-              <a:schemeClr val="phClr">
-                <a:tint val="40000"/>
-                <a:satMod val="350000"/>
-              </a:schemeClr>
-            </a:gs>
-            <a:gs pos="40000">
-              <a:schemeClr val="phClr">
-                <a:tint val="45000"/>
-                <a:shade val="99000"/>
-                <a:satMod val="350000"/>
-              </a:schemeClr>
-            </a:gs>
-            <a:gs pos="100000">
-              <a:schemeClr val="phClr">
-                <a:shade val="20000"/>
-                <a:satMod val="255000"/>
-              </a:schemeClr>
-            </a:gs>
-          </a:gsLst>
-          <a:path path="circle">
-            <a:fillToRect l="50000" t="-80000" r="50000" b="180000"/>
-          </a:path>
-        </a:gradFill>
-        <a:gradFill rotWithShape="1">
-          <a:gsLst>
-            <a:gs pos="0">
-              <a:schemeClr val="phClr">
-                <a:tint val="80000"/>
-                <a:satMod val="300000"/>
-              </a:schemeClr>
-            </a:gs>
-            <a:gs pos="100000">
-              <a:schemeClr val="phClr">
-                <a:shade val="30000"/>
-                <a:satMod val="200000"/>
-              </a:schemeClr>
-            </a:gs>
-          </a:gsLst>
-          <a:path path="circle">
-            <a:fillToRect l="50000" t="50000" r="50000" b="50000"/>
-          </a:path>
-        </a:gradFill>
-      </a:bgFillStyleLst>
-    </a:fmtScheme>
-  </a:themeElements>
-</a:theme>
 </file>